--- a/Conception/Conception.pptx
+++ b/Conception/Conception.pptx
@@ -9,7 +9,9 @@
     <p:sldId id="258" r:id="rId3"/>
     <p:sldId id="259" r:id="rId4"/>
     <p:sldId id="260" r:id="rId5"/>
-    <p:sldId id="257" r:id="rId6"/>
+    <p:sldId id="261" r:id="rId6"/>
+    <p:sldId id="262" r:id="rId7"/>
+    <p:sldId id="257" r:id="rId8"/>
   </p:sldIdLst>
   <p:sldSz cx="12192000" cy="6858000"/>
   <p:notesSz cx="6858000" cy="9144000"/>
@@ -108,6 +110,11 @@
       </a:defRPr>
     </a:lvl9pPr>
   </p:defaultTextStyle>
+  <p:extLst>
+    <p:ext uri="{EFAFB233-063F-42B5-8137-9DF3F51BA10A}">
+      <p15:sldGuideLst xmlns:p15="http://schemas.microsoft.com/office/powerpoint/2012/main"/>
+    </p:ext>
+  </p:extLst>
 </p:presentation>
 </file>
 
@@ -242,7 +249,7 @@
           <a:p>
             <a:fld id="{F607DA3E-EA52-491D-A3EE-D27F0C0359CE}" type="datetimeFigureOut">
               <a:rPr lang="en-GB" smtClean="0"/>
-              <a:t>16/01/2018</a:t>
+              <a:t>17/01/2018</a:t>
             </a:fld>
             <a:endParaRPr lang="en-GB"/>
           </a:p>
@@ -412,7 +419,7 @@
           <a:p>
             <a:fld id="{F607DA3E-EA52-491D-A3EE-D27F0C0359CE}" type="datetimeFigureOut">
               <a:rPr lang="en-GB" smtClean="0"/>
-              <a:t>16/01/2018</a:t>
+              <a:t>17/01/2018</a:t>
             </a:fld>
             <a:endParaRPr lang="en-GB"/>
           </a:p>
@@ -592,7 +599,7 @@
           <a:p>
             <a:fld id="{F607DA3E-EA52-491D-A3EE-D27F0C0359CE}" type="datetimeFigureOut">
               <a:rPr lang="en-GB" smtClean="0"/>
-              <a:t>16/01/2018</a:t>
+              <a:t>17/01/2018</a:t>
             </a:fld>
             <a:endParaRPr lang="en-GB"/>
           </a:p>
@@ -762,7 +769,7 @@
           <a:p>
             <a:fld id="{F607DA3E-EA52-491D-A3EE-D27F0C0359CE}" type="datetimeFigureOut">
               <a:rPr lang="en-GB" smtClean="0"/>
-              <a:t>16/01/2018</a:t>
+              <a:t>17/01/2018</a:t>
             </a:fld>
             <a:endParaRPr lang="en-GB"/>
           </a:p>
@@ -1008,7 +1015,7 @@
           <a:p>
             <a:fld id="{F607DA3E-EA52-491D-A3EE-D27F0C0359CE}" type="datetimeFigureOut">
               <a:rPr lang="en-GB" smtClean="0"/>
-              <a:t>16/01/2018</a:t>
+              <a:t>17/01/2018</a:t>
             </a:fld>
             <a:endParaRPr lang="en-GB"/>
           </a:p>
@@ -1240,7 +1247,7 @@
           <a:p>
             <a:fld id="{F607DA3E-EA52-491D-A3EE-D27F0C0359CE}" type="datetimeFigureOut">
               <a:rPr lang="en-GB" smtClean="0"/>
-              <a:t>16/01/2018</a:t>
+              <a:t>17/01/2018</a:t>
             </a:fld>
             <a:endParaRPr lang="en-GB"/>
           </a:p>
@@ -1607,7 +1614,7 @@
           <a:p>
             <a:fld id="{F607DA3E-EA52-491D-A3EE-D27F0C0359CE}" type="datetimeFigureOut">
               <a:rPr lang="en-GB" smtClean="0"/>
-              <a:t>16/01/2018</a:t>
+              <a:t>17/01/2018</a:t>
             </a:fld>
             <a:endParaRPr lang="en-GB"/>
           </a:p>
@@ -1725,7 +1732,7 @@
           <a:p>
             <a:fld id="{F607DA3E-EA52-491D-A3EE-D27F0C0359CE}" type="datetimeFigureOut">
               <a:rPr lang="en-GB" smtClean="0"/>
-              <a:t>16/01/2018</a:t>
+              <a:t>17/01/2018</a:t>
             </a:fld>
             <a:endParaRPr lang="en-GB"/>
           </a:p>
@@ -1820,7 +1827,7 @@
           <a:p>
             <a:fld id="{F607DA3E-EA52-491D-A3EE-D27F0C0359CE}" type="datetimeFigureOut">
               <a:rPr lang="en-GB" smtClean="0"/>
-              <a:t>16/01/2018</a:t>
+              <a:t>17/01/2018</a:t>
             </a:fld>
             <a:endParaRPr lang="en-GB"/>
           </a:p>
@@ -2097,7 +2104,7 @@
           <a:p>
             <a:fld id="{F607DA3E-EA52-491D-A3EE-D27F0C0359CE}" type="datetimeFigureOut">
               <a:rPr lang="en-GB" smtClean="0"/>
-              <a:t>16/01/2018</a:t>
+              <a:t>17/01/2018</a:t>
             </a:fld>
             <a:endParaRPr lang="en-GB"/>
           </a:p>
@@ -2350,7 +2357,7 @@
           <a:p>
             <a:fld id="{F607DA3E-EA52-491D-A3EE-D27F0C0359CE}" type="datetimeFigureOut">
               <a:rPr lang="en-GB" smtClean="0"/>
-              <a:t>16/01/2018</a:t>
+              <a:t>17/01/2018</a:t>
             </a:fld>
             <a:endParaRPr lang="en-GB"/>
           </a:p>
@@ -2563,7 +2570,7 @@
           <a:p>
             <a:fld id="{F607DA3E-EA52-491D-A3EE-D27F0C0359CE}" type="datetimeFigureOut">
               <a:rPr lang="en-GB" smtClean="0"/>
-              <a:t>16/01/2018</a:t>
+              <a:t>17/01/2018</a:t>
             </a:fld>
             <a:endParaRPr lang="en-GB"/>
           </a:p>
@@ -3030,16 +3037,24 @@
               <a:t>	</a:t>
             </a:r>
             <a:r>
-              <a:rPr lang="fr-FR" dirty="0" err="1" smtClean="0"/>
+              <a:rPr lang="fr-FR" dirty="0" err="1"/>
               <a:t>Dance’in</a:t>
             </a:r>
             <a:r>
               <a:rPr lang="fr-FR" dirty="0"/>
-              <a:t>	</a:t>
+              <a:t>	 |  Galerie  |  Planning  |  Evènements </a:t>
             </a:r>
             <a:r>
               <a:rPr lang="fr-FR" dirty="0" smtClean="0"/>
-              <a:t>/ Galerie / Evènements / Contact / Equipe / </a:t>
+              <a:t> | Contact  |  </a:t>
+            </a:r>
+            <a:r>
+              <a:rPr lang="fr-FR" dirty="0"/>
+              <a:t>Equipe </a:t>
+            </a:r>
+            <a:r>
+              <a:rPr lang="fr-FR" dirty="0" smtClean="0"/>
+              <a:t> </a:t>
             </a:r>
             <a:endParaRPr lang="en-GB" dirty="0"/>
           </a:p>
@@ -3846,16 +3861,16 @@
               <a:t>	</a:t>
             </a:r>
             <a:r>
-              <a:rPr lang="fr-FR" dirty="0" err="1" smtClean="0"/>
+              <a:rPr lang="fr-FR" dirty="0"/>
+              <a:t> </a:t>
+            </a:r>
+            <a:r>
+              <a:rPr lang="fr-FR" dirty="0" err="1"/>
               <a:t>Dance’in</a:t>
             </a:r>
             <a:r>
               <a:rPr lang="fr-FR" dirty="0"/>
-              <a:t>	</a:t>
-            </a:r>
-            <a:r>
-              <a:rPr lang="fr-FR" dirty="0" smtClean="0"/>
-              <a:t>/ Galerie / Planning / Evènements / Contact / Equipe / </a:t>
+              <a:t>	 |  Galerie  |  Planning  |  Evènements  | Contact  |  Equipe </a:t>
             </a:r>
             <a:endParaRPr lang="en-GB" dirty="0"/>
           </a:p>
@@ -3979,7 +3994,7 @@
         </p:nvSpPr>
         <p:spPr>
           <a:xfrm>
-            <a:off x="905066" y="0"/>
+            <a:off x="2037284" y="-10617"/>
             <a:ext cx="970387" cy="643812"/>
           </a:xfrm>
           <a:prstGeom prst="rect">
@@ -4031,8 +4046,8 @@
         </p:nvSpPr>
         <p:spPr>
           <a:xfrm>
-            <a:off x="885152" y="134550"/>
-            <a:ext cx="1010213" cy="369332"/>
+            <a:off x="2093513" y="134550"/>
+            <a:ext cx="857927" cy="369332"/>
           </a:xfrm>
           <a:prstGeom prst="rect">
             <a:avLst/>
@@ -4046,12 +4061,12 @@
           <a:lstStyle/>
           <a:p>
             <a:r>
-              <a:rPr lang="fr-FR" dirty="0" err="1" smtClean="0">
+              <a:rPr lang="fr-FR" dirty="0" smtClean="0">
                 <a:solidFill>
                   <a:schemeClr val="bg1"/>
                 </a:solidFill>
               </a:rPr>
-              <a:t>Dance’In</a:t>
+              <a:t>Galerie</a:t>
             </a:r>
             <a:endParaRPr lang="en-GB" dirty="0">
               <a:solidFill>
@@ -4070,7 +4085,7 @@
         <p:spPr>
           <a:xfrm>
             <a:off x="885151" y="942392"/>
-            <a:ext cx="10498195" cy="1602599"/>
+            <a:ext cx="10498195" cy="5281126"/>
           </a:xfrm>
           <a:prstGeom prst="rect">
             <a:avLst/>
@@ -4113,22 +4128,60 @@
       </p:sp>
       <p:sp>
         <p:nvSpPr>
-          <p:cNvPr id="12" name="Rectangle 11"/>
+          <p:cNvPr id="13" name="TextBox 12"/>
+          <p:cNvSpPr txBox="1"/>
+          <p:nvPr/>
+        </p:nvSpPr>
+        <p:spPr>
+          <a:xfrm>
+            <a:off x="5243247" y="951133"/>
+            <a:ext cx="1528256" cy="369332"/>
+          </a:xfrm>
+          <a:prstGeom prst="rect">
+            <a:avLst/>
+          </a:prstGeom>
+          <a:noFill/>
+        </p:spPr>
+        <p:txBody>
+          <a:bodyPr wrap="square" rtlCol="0">
+            <a:spAutoFit/>
+          </a:bodyPr>
+          <a:lstStyle/>
+          <a:p>
+            <a:r>
+              <a:rPr lang="fr-FR" dirty="0" smtClean="0">
+                <a:solidFill>
+                  <a:schemeClr val="bg1"/>
+                </a:solidFill>
+              </a:rPr>
+              <a:t>Galerie photo</a:t>
+            </a:r>
+            <a:endParaRPr lang="en-GB" dirty="0">
+              <a:solidFill>
+                <a:schemeClr val="bg1"/>
+              </a:solidFill>
+            </a:endParaRPr>
+          </a:p>
+        </p:txBody>
+      </p:sp>
+      <p:sp>
+        <p:nvSpPr>
+          <p:cNvPr id="2" name="Rectangle 1"/>
           <p:cNvSpPr/>
           <p:nvPr/>
         </p:nvSpPr>
         <p:spPr>
           <a:xfrm>
-            <a:off x="885151" y="2792325"/>
-            <a:ext cx="10498195" cy="1741713"/>
+            <a:off x="2608291" y="3349119"/>
+            <a:ext cx="6975417" cy="977890"/>
           </a:xfrm>
           <a:prstGeom prst="rect">
             <a:avLst/>
           </a:prstGeom>
           <a:solidFill>
-            <a:schemeClr val="tx1">
-              <a:alpha val="70000"/>
-            </a:schemeClr>
+            <a:srgbClr val="000000">
+              <a:alpha val="74118"/>
+            </a:srgbClr>
           </a:solidFill>
           <a:ln>
             <a:solidFill>
@@ -4157,118 +4210,24 @@
           <a:lstStyle/>
           <a:p>
             <a:pPr algn="ctr"/>
-            <a:endParaRPr lang="en-GB" dirty="0"/>
-          </a:p>
-        </p:txBody>
-      </p:sp>
-      <p:sp>
-        <p:nvSpPr>
-          <p:cNvPr id="13" name="TextBox 12"/>
-          <p:cNvSpPr txBox="1"/>
+            <a:endParaRPr lang="en-GB"/>
+          </a:p>
+        </p:txBody>
+      </p:sp>
+      <p:sp>
+        <p:nvSpPr>
+          <p:cNvPr id="3" name="Rectangle 2"/>
+          <p:cNvSpPr/>
           <p:nvPr/>
         </p:nvSpPr>
         <p:spPr>
           <a:xfrm>
-            <a:off x="5243247" y="1017037"/>
-            <a:ext cx="1935914" cy="369332"/>
+            <a:off x="2877037" y="3569922"/>
+            <a:ext cx="906162" cy="511016"/>
           </a:xfrm>
           <a:prstGeom prst="rect">
             <a:avLst/>
           </a:prstGeom>
-          <a:noFill/>
-        </p:spPr>
-        <p:txBody>
-          <a:bodyPr wrap="square" rtlCol="0">
-            <a:spAutoFit/>
-          </a:bodyPr>
-          <a:lstStyle/>
-          <a:p>
-            <a:r>
-              <a:rPr lang="fr-FR" dirty="0" smtClean="0">
-                <a:solidFill>
-                  <a:schemeClr val="bg1"/>
-                </a:solidFill>
-              </a:rPr>
-              <a:t>Galerie photo</a:t>
-            </a:r>
-            <a:endParaRPr lang="en-GB" dirty="0">
-              <a:solidFill>
-                <a:schemeClr val="bg1"/>
-              </a:solidFill>
-            </a:endParaRPr>
-          </a:p>
-        </p:txBody>
-      </p:sp>
-      <p:sp>
-        <p:nvSpPr>
-          <p:cNvPr id="14" name="TextBox 13"/>
-          <p:cNvSpPr txBox="1"/>
-          <p:nvPr/>
-        </p:nvSpPr>
-        <p:spPr>
-          <a:xfrm>
-            <a:off x="5243246" y="3060441"/>
-            <a:ext cx="1911472" cy="369332"/>
-          </a:xfrm>
-          <a:prstGeom prst="rect">
-            <a:avLst/>
-          </a:prstGeom>
-          <a:noFill/>
-        </p:spPr>
-        <p:txBody>
-          <a:bodyPr wrap="square" rtlCol="0">
-            <a:spAutoFit/>
-          </a:bodyPr>
-          <a:lstStyle/>
-          <a:p>
-            <a:r>
-              <a:rPr lang="fr-FR" dirty="0" smtClean="0">
-                <a:solidFill>
-                  <a:schemeClr val="bg1"/>
-                </a:solidFill>
-              </a:rPr>
-              <a:t>Galerie </a:t>
-            </a:r>
-            <a:r>
-              <a:rPr lang="fr-FR" dirty="0" err="1" smtClean="0">
-                <a:solidFill>
-                  <a:schemeClr val="bg1"/>
-                </a:solidFill>
-              </a:rPr>
-              <a:t>Video</a:t>
-            </a:r>
-            <a:endParaRPr lang="en-GB" dirty="0">
-              <a:solidFill>
-                <a:schemeClr val="bg1"/>
-              </a:solidFill>
-            </a:endParaRPr>
-          </a:p>
-        </p:txBody>
-      </p:sp>
-      <p:sp>
-        <p:nvSpPr>
-          <p:cNvPr id="16" name="Rectangle 15"/>
-          <p:cNvSpPr/>
-          <p:nvPr/>
-        </p:nvSpPr>
-        <p:spPr>
-          <a:xfrm>
-            <a:off x="885151" y="4781372"/>
-            <a:ext cx="10498195" cy="1741713"/>
-          </a:xfrm>
-          <a:prstGeom prst="rect">
-            <a:avLst/>
-          </a:prstGeom>
-          <a:solidFill>
-            <a:schemeClr val="tx1">
-              <a:alpha val="70000"/>
-            </a:schemeClr>
-          </a:solidFill>
-          <a:ln>
-            <a:solidFill>
-              <a:schemeClr val="tx1"/>
-            </a:solidFill>
-          </a:ln>
         </p:spPr>
         <p:style>
           <a:lnRef idx="2">
@@ -4291,45 +4250,247 @@
           <a:lstStyle/>
           <a:p>
             <a:pPr algn="ctr"/>
-            <a:endParaRPr lang="en-GB" dirty="0"/>
-          </a:p>
-        </p:txBody>
-      </p:sp>
-      <p:sp>
-        <p:nvSpPr>
-          <p:cNvPr id="17" name="TextBox 16"/>
-          <p:cNvSpPr txBox="1"/>
+            <a:endParaRPr lang="en-GB"/>
+          </a:p>
+        </p:txBody>
+      </p:sp>
+      <p:sp>
+        <p:nvSpPr>
+          <p:cNvPr id="18" name="Rectangle 17"/>
+          <p:cNvSpPr/>
           <p:nvPr/>
         </p:nvSpPr>
         <p:spPr>
           <a:xfrm>
-            <a:off x="5255468" y="4901504"/>
-            <a:ext cx="1911472" cy="369332"/>
+            <a:off x="4121857" y="3583485"/>
+            <a:ext cx="906162" cy="511016"/>
           </a:xfrm>
           <a:prstGeom prst="rect">
             <a:avLst/>
           </a:prstGeom>
-          <a:noFill/>
-        </p:spPr>
-        <p:txBody>
-          <a:bodyPr wrap="square" rtlCol="0">
-            <a:spAutoFit/>
-          </a:bodyPr>
-          <a:lstStyle/>
-          <a:p>
-            <a:r>
-              <a:rPr lang="fr-FR" dirty="0" smtClean="0">
-                <a:solidFill>
-                  <a:schemeClr val="bg1"/>
-                </a:solidFill>
-              </a:rPr>
-              <a:t>Galerie Audio</a:t>
-            </a:r>
-            <a:endParaRPr lang="en-GB" dirty="0">
-              <a:solidFill>
-                <a:schemeClr val="bg1"/>
-              </a:solidFill>
-            </a:endParaRPr>
+        </p:spPr>
+        <p:style>
+          <a:lnRef idx="2">
+            <a:schemeClr val="accent1">
+              <a:shade val="50000"/>
+            </a:schemeClr>
+          </a:lnRef>
+          <a:fillRef idx="1">
+            <a:schemeClr val="accent1"/>
+          </a:fillRef>
+          <a:effectRef idx="0">
+            <a:schemeClr val="accent1"/>
+          </a:effectRef>
+          <a:fontRef idx="minor">
+            <a:schemeClr val="lt1"/>
+          </a:fontRef>
+        </p:style>
+        <p:txBody>
+          <a:bodyPr rtlCol="0" anchor="ctr"/>
+          <a:lstStyle/>
+          <a:p>
+            <a:pPr algn="ctr"/>
+            <a:endParaRPr lang="en-GB"/>
+          </a:p>
+        </p:txBody>
+      </p:sp>
+      <p:sp>
+        <p:nvSpPr>
+          <p:cNvPr id="19" name="Rectangle 18"/>
+          <p:cNvSpPr/>
+          <p:nvPr/>
+        </p:nvSpPr>
+        <p:spPr>
+          <a:xfrm>
+            <a:off x="7094067" y="3569922"/>
+            <a:ext cx="906162" cy="511016"/>
+          </a:xfrm>
+          <a:prstGeom prst="rect">
+            <a:avLst/>
+          </a:prstGeom>
+        </p:spPr>
+        <p:style>
+          <a:lnRef idx="2">
+            <a:schemeClr val="accent1">
+              <a:shade val="50000"/>
+            </a:schemeClr>
+          </a:lnRef>
+          <a:fillRef idx="1">
+            <a:schemeClr val="accent1"/>
+          </a:fillRef>
+          <a:effectRef idx="0">
+            <a:schemeClr val="accent1"/>
+          </a:effectRef>
+          <a:fontRef idx="minor">
+            <a:schemeClr val="lt1"/>
+          </a:fontRef>
+        </p:style>
+        <p:txBody>
+          <a:bodyPr rtlCol="0" anchor="ctr"/>
+          <a:lstStyle/>
+          <a:p>
+            <a:pPr algn="ctr"/>
+            <a:endParaRPr lang="en-GB"/>
+          </a:p>
+        </p:txBody>
+      </p:sp>
+      <p:sp>
+        <p:nvSpPr>
+          <p:cNvPr id="20" name="Rectangle 19"/>
+          <p:cNvSpPr/>
+          <p:nvPr/>
+        </p:nvSpPr>
+        <p:spPr>
+          <a:xfrm>
+            <a:off x="8338887" y="3573730"/>
+            <a:ext cx="906162" cy="511016"/>
+          </a:xfrm>
+          <a:prstGeom prst="rect">
+            <a:avLst/>
+          </a:prstGeom>
+        </p:spPr>
+        <p:style>
+          <a:lnRef idx="2">
+            <a:schemeClr val="accent1">
+              <a:shade val="50000"/>
+            </a:schemeClr>
+          </a:lnRef>
+          <a:fillRef idx="1">
+            <a:schemeClr val="accent1"/>
+          </a:fillRef>
+          <a:effectRef idx="0">
+            <a:schemeClr val="accent1"/>
+          </a:effectRef>
+          <a:fontRef idx="minor">
+            <a:schemeClr val="lt1"/>
+          </a:fontRef>
+        </p:style>
+        <p:txBody>
+          <a:bodyPr rtlCol="0" anchor="ctr"/>
+          <a:lstStyle/>
+          <a:p>
+            <a:pPr algn="ctr"/>
+            <a:endParaRPr lang="en-GB"/>
+          </a:p>
+        </p:txBody>
+      </p:sp>
+      <p:sp>
+        <p:nvSpPr>
+          <p:cNvPr id="21" name="Rectangle 20"/>
+          <p:cNvSpPr/>
+          <p:nvPr/>
+        </p:nvSpPr>
+        <p:spPr>
+          <a:xfrm>
+            <a:off x="5374816" y="3273082"/>
+            <a:ext cx="1354551" cy="1195021"/>
+          </a:xfrm>
+          <a:prstGeom prst="rect">
+            <a:avLst/>
+          </a:prstGeom>
+        </p:spPr>
+        <p:style>
+          <a:lnRef idx="2">
+            <a:schemeClr val="accent1">
+              <a:shade val="50000"/>
+            </a:schemeClr>
+          </a:lnRef>
+          <a:fillRef idx="1">
+            <a:schemeClr val="accent1"/>
+          </a:fillRef>
+          <a:effectRef idx="0">
+            <a:schemeClr val="accent1"/>
+          </a:effectRef>
+          <a:fontRef idx="minor">
+            <a:schemeClr val="lt1"/>
+          </a:fontRef>
+        </p:style>
+        <p:txBody>
+          <a:bodyPr rtlCol="0" anchor="ctr"/>
+          <a:lstStyle/>
+          <a:p>
+            <a:pPr algn="ctr"/>
+            <a:endParaRPr lang="en-GB"/>
+          </a:p>
+        </p:txBody>
+      </p:sp>
+      <p:sp>
+        <p:nvSpPr>
+          <p:cNvPr id="15" name="Isosceles Triangle 14"/>
+          <p:cNvSpPr/>
+          <p:nvPr/>
+        </p:nvSpPr>
+        <p:spPr>
+          <a:xfrm rot="5400000">
+            <a:off x="6771503" y="4256711"/>
+            <a:ext cx="230659" cy="193018"/>
+          </a:xfrm>
+          <a:prstGeom prst="triangle">
+            <a:avLst/>
+          </a:prstGeom>
+        </p:spPr>
+        <p:style>
+          <a:lnRef idx="2">
+            <a:schemeClr val="accent1">
+              <a:shade val="50000"/>
+            </a:schemeClr>
+          </a:lnRef>
+          <a:fillRef idx="1">
+            <a:schemeClr val="accent1"/>
+          </a:fillRef>
+          <a:effectRef idx="0">
+            <a:schemeClr val="accent1"/>
+          </a:effectRef>
+          <a:fontRef idx="minor">
+            <a:schemeClr val="lt1"/>
+          </a:fontRef>
+        </p:style>
+        <p:txBody>
+          <a:bodyPr rtlCol="0" anchor="ctr"/>
+          <a:lstStyle/>
+          <a:p>
+            <a:pPr algn="ctr"/>
+            <a:endParaRPr lang="en-GB"/>
+          </a:p>
+        </p:txBody>
+      </p:sp>
+      <p:sp>
+        <p:nvSpPr>
+          <p:cNvPr id="22" name="Isosceles Triangle 21"/>
+          <p:cNvSpPr/>
+          <p:nvPr/>
+        </p:nvSpPr>
+        <p:spPr>
+          <a:xfrm rot="16043386">
+            <a:off x="5012587" y="4251989"/>
+            <a:ext cx="230659" cy="193018"/>
+          </a:xfrm>
+          <a:prstGeom prst="triangle">
+            <a:avLst/>
+          </a:prstGeom>
+        </p:spPr>
+        <p:style>
+          <a:lnRef idx="2">
+            <a:schemeClr val="accent1">
+              <a:shade val="50000"/>
+            </a:schemeClr>
+          </a:lnRef>
+          <a:fillRef idx="1">
+            <a:schemeClr val="accent1"/>
+          </a:fillRef>
+          <a:effectRef idx="0">
+            <a:schemeClr val="accent1"/>
+          </a:effectRef>
+          <a:fontRef idx="minor">
+            <a:schemeClr val="lt1"/>
+          </a:fontRef>
+        </p:style>
+        <p:txBody>
+          <a:bodyPr rtlCol="0" anchor="ctr"/>
+          <a:lstStyle/>
+          <a:p>
+            <a:pPr algn="ctr"/>
+            <a:endParaRPr lang="en-GB"/>
           </a:p>
         </p:txBody>
       </p:sp>
@@ -4425,16 +4586,16 @@
               <a:t>	</a:t>
             </a:r>
             <a:r>
-              <a:rPr lang="fr-FR" dirty="0" err="1" smtClean="0"/>
+              <a:rPr lang="fr-FR" dirty="0"/>
+              <a:t> </a:t>
+            </a:r>
+            <a:r>
+              <a:rPr lang="fr-FR" dirty="0" err="1"/>
               <a:t>Dance’in</a:t>
             </a:r>
             <a:r>
               <a:rPr lang="fr-FR" dirty="0"/>
-              <a:t>	</a:t>
-            </a:r>
-            <a:r>
-              <a:rPr lang="fr-FR" dirty="0" smtClean="0"/>
-              <a:t>/ Galerie / Planning / Evènements / Contact / Equipe / </a:t>
+              <a:t>	 |  Galerie  |  Planning  |  Evènements  | Contact  |  Equipe </a:t>
             </a:r>
             <a:endParaRPr lang="en-GB" dirty="0"/>
           </a:p>
@@ -4558,7 +4719,7 @@
         </p:nvSpPr>
         <p:spPr>
           <a:xfrm>
-            <a:off x="905066" y="0"/>
+            <a:off x="3083570" y="0"/>
             <a:ext cx="970387" cy="643812"/>
           </a:xfrm>
           <a:prstGeom prst="rect">
@@ -4610,8 +4771,8 @@
         </p:nvSpPr>
         <p:spPr>
           <a:xfrm>
-            <a:off x="885152" y="134550"/>
-            <a:ext cx="1010213" cy="369332"/>
+            <a:off x="3063656" y="134550"/>
+            <a:ext cx="994183" cy="369332"/>
           </a:xfrm>
           <a:prstGeom prst="rect">
             <a:avLst/>
@@ -4625,12 +4786,12 @@
           <a:lstStyle/>
           <a:p>
             <a:r>
-              <a:rPr lang="fr-FR" dirty="0" err="1" smtClean="0">
+              <a:rPr lang="fr-FR" dirty="0" smtClean="0">
                 <a:solidFill>
                   <a:schemeClr val="bg1"/>
                 </a:solidFill>
               </a:rPr>
-              <a:t>Dance’In</a:t>
+              <a:t>Planning</a:t>
             </a:r>
             <a:endParaRPr lang="en-GB" dirty="0">
               <a:solidFill>
@@ -5205,6 +5366,20 @@
 <file path=ppt/slides/slide4.xml><?xml version="1.0" encoding="utf-8"?>
 <p:sld xmlns:a="http://schemas.openxmlformats.org/drawingml/2006/main" xmlns:r="http://schemas.openxmlformats.org/officeDocument/2006/relationships" xmlns:p="http://schemas.openxmlformats.org/presentationml/2006/main">
   <p:cSld>
+    <p:bg>
+      <p:bgPr>
+        <a:blipFill dpi="0" rotWithShape="1">
+          <a:blip r:embed="rId2">
+            <a:lum/>
+          </a:blip>
+          <a:srcRect/>
+          <a:stretch>
+            <a:fillRect t="-10000" b="-10000"/>
+          </a:stretch>
+        </a:blipFill>
+        <a:effectLst/>
+      </p:bgPr>
+    </p:bg>
     <p:spTree>
       <p:nvGrpSpPr>
         <p:cNvPr id="1" name=""/>
@@ -5221,39 +5396,367 @@
       </p:grpSpPr>
       <p:sp>
         <p:nvSpPr>
-          <p:cNvPr id="2" name="Title 1"/>
-          <p:cNvSpPr>
-            <a:spLocks noGrp="1"/>
-          </p:cNvSpPr>
-          <p:nvPr>
-            <p:ph type="title"/>
-          </p:nvPr>
-        </p:nvSpPr>
-        <p:spPr/>
-        <p:txBody>
-          <a:bodyPr/>
-          <a:lstStyle/>
-          <a:p>
-            <a:endParaRPr lang="en-GB"/>
-          </a:p>
-        </p:txBody>
-      </p:sp>
-      <p:sp>
-        <p:nvSpPr>
-          <p:cNvPr id="3" name="Content Placeholder 2"/>
-          <p:cNvSpPr>
-            <a:spLocks noGrp="1"/>
-          </p:cNvSpPr>
-          <p:nvPr>
-            <p:ph idx="1"/>
-          </p:nvPr>
-        </p:nvSpPr>
-        <p:spPr/>
-        <p:txBody>
-          <a:bodyPr/>
-          <a:lstStyle/>
-          <a:p>
-            <a:endParaRPr lang="en-GB"/>
+          <p:cNvPr id="4" name="Rectangle 3"/>
+          <p:cNvSpPr/>
+          <p:nvPr/>
+        </p:nvSpPr>
+        <p:spPr>
+          <a:xfrm>
+            <a:off x="0" y="0"/>
+            <a:ext cx="12192000" cy="643812"/>
+          </a:xfrm>
+          <a:prstGeom prst="rect">
+            <a:avLst/>
+          </a:prstGeom>
+          <a:solidFill>
+            <a:schemeClr val="tx1"/>
+          </a:solidFill>
+          <a:ln>
+            <a:solidFill>
+              <a:schemeClr val="tx1"/>
+            </a:solidFill>
+          </a:ln>
+        </p:spPr>
+        <p:style>
+          <a:lnRef idx="2">
+            <a:schemeClr val="accent1">
+              <a:shade val="50000"/>
+            </a:schemeClr>
+          </a:lnRef>
+          <a:fillRef idx="1">
+            <a:schemeClr val="accent1"/>
+          </a:fillRef>
+          <a:effectRef idx="0">
+            <a:schemeClr val="accent1"/>
+          </a:effectRef>
+          <a:fontRef idx="minor">
+            <a:schemeClr val="lt1"/>
+          </a:fontRef>
+        </p:style>
+        <p:txBody>
+          <a:bodyPr rtlCol="0" anchor="ctr"/>
+          <a:lstStyle/>
+          <a:p>
+            <a:r>
+              <a:rPr lang="fr-FR" dirty="0" smtClean="0"/>
+              <a:t>	</a:t>
+            </a:r>
+            <a:r>
+              <a:rPr lang="fr-FR" dirty="0"/>
+              <a:t> </a:t>
+            </a:r>
+            <a:r>
+              <a:rPr lang="fr-FR" dirty="0" err="1"/>
+              <a:t>Dance’in</a:t>
+            </a:r>
+            <a:r>
+              <a:rPr lang="fr-FR" dirty="0"/>
+              <a:t>	 |  Galerie  |  Planning  |  Evènements  | Contact  |  Equipe </a:t>
+            </a:r>
+            <a:endParaRPr lang="en-GB" dirty="0"/>
+          </a:p>
+        </p:txBody>
+      </p:sp>
+      <p:grpSp>
+        <p:nvGrpSpPr>
+          <p:cNvPr id="5" name="Group 4"/>
+          <p:cNvGrpSpPr/>
+          <p:nvPr/>
+        </p:nvGrpSpPr>
+        <p:grpSpPr>
+          <a:xfrm>
+            <a:off x="130629" y="41988"/>
+            <a:ext cx="606490" cy="559836"/>
+            <a:chOff x="1800808" y="5187821"/>
+            <a:chExt cx="849085" cy="799517"/>
+          </a:xfrm>
+        </p:grpSpPr>
+        <p:sp>
+          <p:nvSpPr>
+            <p:cNvPr id="6" name="Oval 5"/>
+            <p:cNvSpPr/>
+            <p:nvPr/>
+          </p:nvSpPr>
+          <p:spPr>
+            <a:xfrm>
+              <a:off x="1800808" y="5187821"/>
+              <a:ext cx="849085" cy="799517"/>
+            </a:xfrm>
+            <a:prstGeom prst="ellipse">
+              <a:avLst/>
+            </a:prstGeom>
+            <a:solidFill>
+              <a:schemeClr val="bg1"/>
+            </a:solidFill>
+            <a:ln w="38100">
+              <a:solidFill>
+                <a:schemeClr val="tx1"/>
+              </a:solidFill>
+            </a:ln>
+          </p:spPr>
+          <p:style>
+            <a:lnRef idx="2">
+              <a:schemeClr val="accent1">
+                <a:shade val="50000"/>
+              </a:schemeClr>
+            </a:lnRef>
+            <a:fillRef idx="1">
+              <a:schemeClr val="accent1"/>
+            </a:fillRef>
+            <a:effectRef idx="0">
+              <a:schemeClr val="accent1"/>
+            </a:effectRef>
+            <a:fontRef idx="minor">
+              <a:schemeClr val="lt1"/>
+            </a:fontRef>
+          </p:style>
+          <p:txBody>
+            <a:bodyPr rtlCol="0" anchor="ctr"/>
+            <a:lstStyle/>
+            <a:p>
+              <a:pPr algn="ctr"/>
+              <a:endParaRPr lang="en-GB"/>
+            </a:p>
+          </p:txBody>
+        </p:sp>
+        <p:pic>
+          <p:nvPicPr>
+            <p:cNvPr id="7" name="Picture 6"/>
+            <p:cNvPicPr>
+              <a:picLocks noChangeAspect="1"/>
+            </p:cNvPicPr>
+            <p:nvPr/>
+          </p:nvPicPr>
+          <p:blipFill>
+            <a:blip r:embed="rId3"/>
+            <a:stretch>
+              <a:fillRect/>
+            </a:stretch>
+          </p:blipFill>
+          <p:spPr>
+            <a:xfrm>
+              <a:off x="1870690" y="5254787"/>
+              <a:ext cx="657906" cy="657906"/>
+            </a:xfrm>
+            <a:prstGeom prst="rect">
+              <a:avLst/>
+            </a:prstGeom>
+          </p:spPr>
+        </p:pic>
+      </p:grpSp>
+      <p:pic>
+        <p:nvPicPr>
+          <p:cNvPr id="8" name="Picture 7"/>
+          <p:cNvPicPr>
+            <a:picLocks noChangeAspect="1"/>
+          </p:cNvPicPr>
+          <p:nvPr/>
+        </p:nvPicPr>
+        <p:blipFill rotWithShape="1">
+          <a:blip r:embed="rId4"/>
+          <a:srcRect l="39424" t="7798" r="26383" b="20736"/>
+          <a:stretch/>
+        </p:blipFill>
+        <p:spPr>
+          <a:xfrm>
+            <a:off x="11761857" y="158264"/>
+            <a:ext cx="308029" cy="321905"/>
+          </a:xfrm>
+          <a:prstGeom prst="rect">
+            <a:avLst/>
+          </a:prstGeom>
+        </p:spPr>
+      </p:pic>
+      <p:grpSp>
+        <p:nvGrpSpPr>
+          <p:cNvPr id="16" name="Group 15"/>
+          <p:cNvGrpSpPr/>
+          <p:nvPr/>
+        </p:nvGrpSpPr>
+        <p:grpSpPr>
+          <a:xfrm>
+            <a:off x="4174014" y="0"/>
+            <a:ext cx="1332288" cy="643812"/>
+            <a:chOff x="2821052" y="0"/>
+            <a:chExt cx="1332288" cy="643812"/>
+          </a:xfrm>
+        </p:grpSpPr>
+        <p:sp>
+          <p:nvSpPr>
+            <p:cNvPr id="9" name="Rectangle 8"/>
+            <p:cNvSpPr/>
+            <p:nvPr/>
+          </p:nvSpPr>
+          <p:spPr>
+            <a:xfrm>
+              <a:off x="2840966" y="0"/>
+              <a:ext cx="1312374" cy="643812"/>
+            </a:xfrm>
+            <a:prstGeom prst="rect">
+              <a:avLst/>
+            </a:prstGeom>
+            <a:solidFill>
+              <a:schemeClr val="bg2">
+                <a:lumMod val="50000"/>
+              </a:schemeClr>
+            </a:solidFill>
+            <a:ln>
+              <a:solidFill>
+                <a:schemeClr val="bg2">
+                  <a:lumMod val="50000"/>
+                </a:schemeClr>
+              </a:solidFill>
+            </a:ln>
+          </p:spPr>
+          <p:style>
+            <a:lnRef idx="2">
+              <a:schemeClr val="accent1">
+                <a:shade val="50000"/>
+              </a:schemeClr>
+            </a:lnRef>
+            <a:fillRef idx="1">
+              <a:schemeClr val="accent1"/>
+            </a:fillRef>
+            <a:effectRef idx="0">
+              <a:schemeClr val="accent1"/>
+            </a:effectRef>
+            <a:fontRef idx="minor">
+              <a:schemeClr val="lt1"/>
+            </a:fontRef>
+          </p:style>
+          <p:txBody>
+            <a:bodyPr rtlCol="0" anchor="ctr"/>
+            <a:lstStyle/>
+            <a:p>
+              <a:pPr algn="ctr"/>
+              <a:endParaRPr lang="en-GB"/>
+            </a:p>
+          </p:txBody>
+        </p:sp>
+        <p:sp>
+          <p:nvSpPr>
+            <p:cNvPr id="10" name="TextBox 9"/>
+            <p:cNvSpPr txBox="1"/>
+            <p:nvPr/>
+          </p:nvSpPr>
+          <p:spPr>
+            <a:xfrm>
+              <a:off x="2821052" y="134550"/>
+              <a:ext cx="1332288" cy="369332"/>
+            </a:xfrm>
+            <a:prstGeom prst="rect">
+              <a:avLst/>
+            </a:prstGeom>
+            <a:noFill/>
+          </p:spPr>
+          <p:txBody>
+            <a:bodyPr wrap="none" rtlCol="0">
+              <a:spAutoFit/>
+            </a:bodyPr>
+            <a:lstStyle/>
+            <a:p>
+              <a:r>
+                <a:rPr lang="fr-FR" dirty="0" smtClean="0">
+                  <a:solidFill>
+                    <a:schemeClr val="bg1"/>
+                  </a:solidFill>
+                </a:rPr>
+                <a:t>Evènements</a:t>
+              </a:r>
+              <a:endParaRPr lang="en-GB" dirty="0">
+                <a:solidFill>
+                  <a:schemeClr val="bg1"/>
+                </a:solidFill>
+              </a:endParaRPr>
+            </a:p>
+          </p:txBody>
+        </p:sp>
+      </p:grpSp>
+      <p:sp>
+        <p:nvSpPr>
+          <p:cNvPr id="11" name="Rectangle 10"/>
+          <p:cNvSpPr/>
+          <p:nvPr/>
+        </p:nvSpPr>
+        <p:spPr>
+          <a:xfrm>
+            <a:off x="885151" y="942392"/>
+            <a:ext cx="10498195" cy="4945224"/>
+          </a:xfrm>
+          <a:prstGeom prst="rect">
+            <a:avLst/>
+          </a:prstGeom>
+          <a:solidFill>
+            <a:schemeClr val="tx1">
+              <a:alpha val="70000"/>
+            </a:schemeClr>
+          </a:solidFill>
+          <a:ln>
+            <a:solidFill>
+              <a:schemeClr val="tx1"/>
+            </a:solidFill>
+          </a:ln>
+        </p:spPr>
+        <p:style>
+          <a:lnRef idx="2">
+            <a:schemeClr val="accent1">
+              <a:shade val="50000"/>
+            </a:schemeClr>
+          </a:lnRef>
+          <a:fillRef idx="1">
+            <a:schemeClr val="accent1"/>
+          </a:fillRef>
+          <a:effectRef idx="0">
+            <a:schemeClr val="accent1"/>
+          </a:effectRef>
+          <a:fontRef idx="minor">
+            <a:schemeClr val="lt1"/>
+          </a:fontRef>
+        </p:style>
+        <p:txBody>
+          <a:bodyPr rtlCol="0" anchor="ctr"/>
+          <a:lstStyle/>
+          <a:p>
+            <a:pPr algn="ctr"/>
+            <a:endParaRPr lang="en-GB" dirty="0"/>
+          </a:p>
+        </p:txBody>
+      </p:sp>
+      <p:sp>
+        <p:nvSpPr>
+          <p:cNvPr id="15" name="TextBox 14"/>
+          <p:cNvSpPr txBox="1"/>
+          <p:nvPr/>
+        </p:nvSpPr>
+        <p:spPr>
+          <a:xfrm>
+            <a:off x="5663682" y="1023348"/>
+            <a:ext cx="840559" cy="369332"/>
+          </a:xfrm>
+          <a:prstGeom prst="rect">
+            <a:avLst/>
+          </a:prstGeom>
+          <a:noFill/>
+        </p:spPr>
+        <p:txBody>
+          <a:bodyPr wrap="square" rtlCol="0">
+            <a:spAutoFit/>
+          </a:bodyPr>
+          <a:lstStyle/>
+          <a:p>
+            <a:r>
+              <a:rPr lang="fr-FR" dirty="0" smtClean="0">
+                <a:solidFill>
+                  <a:schemeClr val="bg1"/>
+                </a:solidFill>
+              </a:rPr>
+              <a:t>Stages</a:t>
+            </a:r>
+            <a:endParaRPr lang="en-GB" dirty="0">
+              <a:solidFill>
+                <a:schemeClr val="bg1"/>
+              </a:solidFill>
+            </a:endParaRPr>
           </a:p>
         </p:txBody>
       </p:sp>
@@ -5271,6 +5774,1384 @@
 </file>
 
 <file path=ppt/slides/slide5.xml><?xml version="1.0" encoding="utf-8"?>
+<p:sld xmlns:a="http://schemas.openxmlformats.org/drawingml/2006/main" xmlns:r="http://schemas.openxmlformats.org/officeDocument/2006/relationships" xmlns:p="http://schemas.openxmlformats.org/presentationml/2006/main">
+  <p:cSld>
+    <p:spTree>
+      <p:nvGrpSpPr>
+        <p:cNvPr id="1" name=""/>
+        <p:cNvGrpSpPr/>
+        <p:nvPr/>
+      </p:nvGrpSpPr>
+      <p:grpSpPr>
+        <a:xfrm>
+          <a:off x="0" y="0"/>
+          <a:ext cx="0" cy="0"/>
+          <a:chOff x="0" y="0"/>
+          <a:chExt cx="0" cy="0"/>
+        </a:xfrm>
+      </p:grpSpPr>
+      <p:sp>
+        <p:nvSpPr>
+          <p:cNvPr id="4" name="Rectangle 3"/>
+          <p:cNvSpPr/>
+          <p:nvPr/>
+        </p:nvSpPr>
+        <p:spPr>
+          <a:xfrm>
+            <a:off x="0" y="0"/>
+            <a:ext cx="12192000" cy="643812"/>
+          </a:xfrm>
+          <a:prstGeom prst="rect">
+            <a:avLst/>
+          </a:prstGeom>
+          <a:solidFill>
+            <a:schemeClr val="tx1"/>
+          </a:solidFill>
+          <a:ln>
+            <a:solidFill>
+              <a:schemeClr val="tx1"/>
+            </a:solidFill>
+          </a:ln>
+        </p:spPr>
+        <p:style>
+          <a:lnRef idx="2">
+            <a:schemeClr val="accent1">
+              <a:shade val="50000"/>
+            </a:schemeClr>
+          </a:lnRef>
+          <a:fillRef idx="1">
+            <a:schemeClr val="accent1"/>
+          </a:fillRef>
+          <a:effectRef idx="0">
+            <a:schemeClr val="accent1"/>
+          </a:effectRef>
+          <a:fontRef idx="minor">
+            <a:schemeClr val="lt1"/>
+          </a:fontRef>
+        </p:style>
+        <p:txBody>
+          <a:bodyPr rtlCol="0" anchor="ctr"/>
+          <a:lstStyle/>
+          <a:p>
+            <a:r>
+              <a:rPr lang="fr-FR" dirty="0" smtClean="0"/>
+              <a:t>	</a:t>
+            </a:r>
+            <a:r>
+              <a:rPr lang="fr-FR" dirty="0"/>
+              <a:t> </a:t>
+            </a:r>
+            <a:r>
+              <a:rPr lang="fr-FR" dirty="0" err="1"/>
+              <a:t>Dance’in</a:t>
+            </a:r>
+            <a:r>
+              <a:rPr lang="fr-FR" dirty="0"/>
+              <a:t>	 |  Galerie  |  Planning  |  Evènements  | Contact  |  Equipe </a:t>
+            </a:r>
+            <a:endParaRPr lang="en-GB" dirty="0"/>
+          </a:p>
+        </p:txBody>
+      </p:sp>
+      <p:grpSp>
+        <p:nvGrpSpPr>
+          <p:cNvPr id="5" name="Group 4"/>
+          <p:cNvGrpSpPr/>
+          <p:nvPr/>
+        </p:nvGrpSpPr>
+        <p:grpSpPr>
+          <a:xfrm>
+            <a:off x="130629" y="41988"/>
+            <a:ext cx="606490" cy="559836"/>
+            <a:chOff x="1800808" y="5187821"/>
+            <a:chExt cx="849085" cy="799517"/>
+          </a:xfrm>
+        </p:grpSpPr>
+        <p:sp>
+          <p:nvSpPr>
+            <p:cNvPr id="6" name="Oval 5"/>
+            <p:cNvSpPr/>
+            <p:nvPr/>
+          </p:nvSpPr>
+          <p:spPr>
+            <a:xfrm>
+              <a:off x="1800808" y="5187821"/>
+              <a:ext cx="849085" cy="799517"/>
+            </a:xfrm>
+            <a:prstGeom prst="ellipse">
+              <a:avLst/>
+            </a:prstGeom>
+            <a:solidFill>
+              <a:schemeClr val="bg1"/>
+            </a:solidFill>
+            <a:ln w="38100">
+              <a:solidFill>
+                <a:schemeClr val="tx1"/>
+              </a:solidFill>
+            </a:ln>
+          </p:spPr>
+          <p:style>
+            <a:lnRef idx="2">
+              <a:schemeClr val="accent1">
+                <a:shade val="50000"/>
+              </a:schemeClr>
+            </a:lnRef>
+            <a:fillRef idx="1">
+              <a:schemeClr val="accent1"/>
+            </a:fillRef>
+            <a:effectRef idx="0">
+              <a:schemeClr val="accent1"/>
+            </a:effectRef>
+            <a:fontRef idx="minor">
+              <a:schemeClr val="lt1"/>
+            </a:fontRef>
+          </p:style>
+          <p:txBody>
+            <a:bodyPr rtlCol="0" anchor="ctr"/>
+            <a:lstStyle/>
+            <a:p>
+              <a:pPr algn="ctr"/>
+              <a:endParaRPr lang="en-GB"/>
+            </a:p>
+          </p:txBody>
+        </p:sp>
+        <p:pic>
+          <p:nvPicPr>
+            <p:cNvPr id="7" name="Picture 6"/>
+            <p:cNvPicPr>
+              <a:picLocks noChangeAspect="1"/>
+            </p:cNvPicPr>
+            <p:nvPr/>
+          </p:nvPicPr>
+          <p:blipFill>
+            <a:blip r:embed="rId2"/>
+            <a:stretch>
+              <a:fillRect/>
+            </a:stretch>
+          </p:blipFill>
+          <p:spPr>
+            <a:xfrm>
+              <a:off x="1870690" y="5254787"/>
+              <a:ext cx="657906" cy="657906"/>
+            </a:xfrm>
+            <a:prstGeom prst="rect">
+              <a:avLst/>
+            </a:prstGeom>
+          </p:spPr>
+        </p:pic>
+      </p:grpSp>
+      <p:pic>
+        <p:nvPicPr>
+          <p:cNvPr id="8" name="Picture 7"/>
+          <p:cNvPicPr>
+            <a:picLocks noChangeAspect="1"/>
+          </p:cNvPicPr>
+          <p:nvPr/>
+        </p:nvPicPr>
+        <p:blipFill rotWithShape="1">
+          <a:blip r:embed="rId3"/>
+          <a:srcRect l="39424" t="7798" r="26383" b="20736"/>
+          <a:stretch/>
+        </p:blipFill>
+        <p:spPr>
+          <a:xfrm>
+            <a:off x="11761857" y="158264"/>
+            <a:ext cx="308029" cy="321905"/>
+          </a:xfrm>
+          <a:prstGeom prst="rect">
+            <a:avLst/>
+          </a:prstGeom>
+        </p:spPr>
+      </p:pic>
+      <p:grpSp>
+        <p:nvGrpSpPr>
+          <p:cNvPr id="16" name="Group 15"/>
+          <p:cNvGrpSpPr/>
+          <p:nvPr/>
+        </p:nvGrpSpPr>
+        <p:grpSpPr>
+          <a:xfrm>
+            <a:off x="5546870" y="0"/>
+            <a:ext cx="1059213" cy="643812"/>
+            <a:chOff x="2840966" y="0"/>
+            <a:chExt cx="1059213" cy="643812"/>
+          </a:xfrm>
+        </p:grpSpPr>
+        <p:sp>
+          <p:nvSpPr>
+            <p:cNvPr id="9" name="Rectangle 8"/>
+            <p:cNvSpPr/>
+            <p:nvPr/>
+          </p:nvSpPr>
+          <p:spPr>
+            <a:xfrm>
+              <a:off x="2840966" y="0"/>
+              <a:ext cx="1059213" cy="643812"/>
+            </a:xfrm>
+            <a:prstGeom prst="rect">
+              <a:avLst/>
+            </a:prstGeom>
+            <a:solidFill>
+              <a:schemeClr val="bg2">
+                <a:lumMod val="50000"/>
+              </a:schemeClr>
+            </a:solidFill>
+            <a:ln>
+              <a:solidFill>
+                <a:schemeClr val="bg2">
+                  <a:lumMod val="50000"/>
+                </a:schemeClr>
+              </a:solidFill>
+            </a:ln>
+          </p:spPr>
+          <p:style>
+            <a:lnRef idx="2">
+              <a:schemeClr val="accent1">
+                <a:shade val="50000"/>
+              </a:schemeClr>
+            </a:lnRef>
+            <a:fillRef idx="1">
+              <a:schemeClr val="accent1"/>
+            </a:fillRef>
+            <a:effectRef idx="0">
+              <a:schemeClr val="accent1"/>
+            </a:effectRef>
+            <a:fontRef idx="minor">
+              <a:schemeClr val="lt1"/>
+            </a:fontRef>
+          </p:style>
+          <p:txBody>
+            <a:bodyPr rtlCol="0" anchor="ctr"/>
+            <a:lstStyle/>
+            <a:p>
+              <a:pPr algn="ctr"/>
+              <a:endParaRPr lang="en-GB"/>
+            </a:p>
+          </p:txBody>
+        </p:sp>
+        <p:sp>
+          <p:nvSpPr>
+            <p:cNvPr id="10" name="TextBox 9"/>
+            <p:cNvSpPr txBox="1"/>
+            <p:nvPr/>
+          </p:nvSpPr>
+          <p:spPr>
+            <a:xfrm>
+              <a:off x="2916024" y="158264"/>
+              <a:ext cx="909095" cy="369332"/>
+            </a:xfrm>
+            <a:prstGeom prst="rect">
+              <a:avLst/>
+            </a:prstGeom>
+            <a:noFill/>
+          </p:spPr>
+          <p:txBody>
+            <a:bodyPr wrap="none" rtlCol="0">
+              <a:spAutoFit/>
+            </a:bodyPr>
+            <a:lstStyle/>
+            <a:p>
+              <a:pPr algn="ctr"/>
+              <a:r>
+                <a:rPr lang="fr-FR" dirty="0" smtClean="0">
+                  <a:solidFill>
+                    <a:schemeClr val="bg1"/>
+                  </a:solidFill>
+                </a:rPr>
+                <a:t>Contact</a:t>
+              </a:r>
+              <a:endParaRPr lang="en-GB" dirty="0">
+                <a:solidFill>
+                  <a:schemeClr val="bg1"/>
+                </a:solidFill>
+              </a:endParaRPr>
+            </a:p>
+          </p:txBody>
+        </p:sp>
+      </p:grpSp>
+      <p:sp>
+        <p:nvSpPr>
+          <p:cNvPr id="11" name="Rectangle 10"/>
+          <p:cNvSpPr/>
+          <p:nvPr/>
+        </p:nvSpPr>
+        <p:spPr>
+          <a:xfrm>
+            <a:off x="885151" y="942392"/>
+            <a:ext cx="10498195" cy="4945224"/>
+          </a:xfrm>
+          <a:prstGeom prst="rect">
+            <a:avLst/>
+          </a:prstGeom>
+          <a:solidFill>
+            <a:schemeClr val="tx1">
+              <a:alpha val="70000"/>
+            </a:schemeClr>
+          </a:solidFill>
+          <a:ln>
+            <a:solidFill>
+              <a:schemeClr val="tx1"/>
+            </a:solidFill>
+          </a:ln>
+        </p:spPr>
+        <p:style>
+          <a:lnRef idx="2">
+            <a:schemeClr val="accent1">
+              <a:shade val="50000"/>
+            </a:schemeClr>
+          </a:lnRef>
+          <a:fillRef idx="1">
+            <a:schemeClr val="accent1"/>
+          </a:fillRef>
+          <a:effectRef idx="0">
+            <a:schemeClr val="accent1"/>
+          </a:effectRef>
+          <a:fontRef idx="minor">
+            <a:schemeClr val="lt1"/>
+          </a:fontRef>
+        </p:style>
+        <p:txBody>
+          <a:bodyPr rtlCol="0" anchor="ctr"/>
+          <a:lstStyle/>
+          <a:p>
+            <a:pPr algn="ctr"/>
+            <a:endParaRPr lang="en-GB" dirty="0"/>
+          </a:p>
+        </p:txBody>
+      </p:sp>
+      <p:sp>
+        <p:nvSpPr>
+          <p:cNvPr id="15" name="TextBox 14"/>
+          <p:cNvSpPr txBox="1"/>
+          <p:nvPr/>
+        </p:nvSpPr>
+        <p:spPr>
+          <a:xfrm>
+            <a:off x="4392290" y="1014018"/>
+            <a:ext cx="2248677" cy="369332"/>
+          </a:xfrm>
+          <a:prstGeom prst="rect">
+            <a:avLst/>
+          </a:prstGeom>
+          <a:noFill/>
+        </p:spPr>
+        <p:txBody>
+          <a:bodyPr wrap="square" rtlCol="0">
+            <a:spAutoFit/>
+          </a:bodyPr>
+          <a:lstStyle/>
+          <a:p>
+            <a:r>
+              <a:rPr lang="fr-FR" dirty="0" smtClean="0">
+                <a:solidFill>
+                  <a:schemeClr val="bg1"/>
+                </a:solidFill>
+              </a:rPr>
+              <a:t>Formulaire de contact</a:t>
+            </a:r>
+            <a:endParaRPr lang="en-GB" dirty="0">
+              <a:solidFill>
+                <a:schemeClr val="bg1"/>
+              </a:solidFill>
+            </a:endParaRPr>
+          </a:p>
+        </p:txBody>
+      </p:sp>
+      <p:sp>
+        <p:nvSpPr>
+          <p:cNvPr id="2" name="Rounded Rectangle 1"/>
+          <p:cNvSpPr/>
+          <p:nvPr/>
+        </p:nvSpPr>
+        <p:spPr>
+          <a:xfrm>
+            <a:off x="4739951" y="2077790"/>
+            <a:ext cx="1901016" cy="307910"/>
+          </a:xfrm>
+          <a:prstGeom prst="roundRect">
+            <a:avLst/>
+          </a:prstGeom>
+          <a:solidFill>
+            <a:schemeClr val="bg1"/>
+          </a:solidFill>
+          <a:ln>
+            <a:solidFill>
+              <a:schemeClr val="bg1"/>
+            </a:solidFill>
+          </a:ln>
+        </p:spPr>
+        <p:style>
+          <a:lnRef idx="2">
+            <a:schemeClr val="accent1">
+              <a:shade val="50000"/>
+            </a:schemeClr>
+          </a:lnRef>
+          <a:fillRef idx="1">
+            <a:schemeClr val="accent1"/>
+          </a:fillRef>
+          <a:effectRef idx="0">
+            <a:schemeClr val="accent1"/>
+          </a:effectRef>
+          <a:fontRef idx="minor">
+            <a:schemeClr val="lt1"/>
+          </a:fontRef>
+        </p:style>
+        <p:txBody>
+          <a:bodyPr rtlCol="0" anchor="ctr"/>
+          <a:lstStyle/>
+          <a:p>
+            <a:pPr algn="ctr"/>
+            <a:endParaRPr lang="en-GB"/>
+          </a:p>
+        </p:txBody>
+      </p:sp>
+      <p:sp>
+        <p:nvSpPr>
+          <p:cNvPr id="13" name="Rounded Rectangle 12"/>
+          <p:cNvSpPr/>
+          <p:nvPr/>
+        </p:nvSpPr>
+        <p:spPr>
+          <a:xfrm>
+            <a:off x="4739951" y="2588035"/>
+            <a:ext cx="1901016" cy="307910"/>
+          </a:xfrm>
+          <a:prstGeom prst="roundRect">
+            <a:avLst/>
+          </a:prstGeom>
+          <a:solidFill>
+            <a:schemeClr val="bg1"/>
+          </a:solidFill>
+          <a:ln>
+            <a:solidFill>
+              <a:schemeClr val="bg1"/>
+            </a:solidFill>
+          </a:ln>
+        </p:spPr>
+        <p:style>
+          <a:lnRef idx="2">
+            <a:schemeClr val="accent1">
+              <a:shade val="50000"/>
+            </a:schemeClr>
+          </a:lnRef>
+          <a:fillRef idx="1">
+            <a:schemeClr val="accent1"/>
+          </a:fillRef>
+          <a:effectRef idx="0">
+            <a:schemeClr val="accent1"/>
+          </a:effectRef>
+          <a:fontRef idx="minor">
+            <a:schemeClr val="lt1"/>
+          </a:fontRef>
+        </p:style>
+        <p:txBody>
+          <a:bodyPr rtlCol="0" anchor="ctr"/>
+          <a:lstStyle/>
+          <a:p>
+            <a:pPr algn="ctr"/>
+            <a:endParaRPr lang="en-GB"/>
+          </a:p>
+        </p:txBody>
+      </p:sp>
+      <p:sp>
+        <p:nvSpPr>
+          <p:cNvPr id="14" name="Rounded Rectangle 13"/>
+          <p:cNvSpPr/>
+          <p:nvPr/>
+        </p:nvSpPr>
+        <p:spPr>
+          <a:xfrm>
+            <a:off x="4739951" y="3067352"/>
+            <a:ext cx="1901016" cy="307910"/>
+          </a:xfrm>
+          <a:prstGeom prst="roundRect">
+            <a:avLst/>
+          </a:prstGeom>
+          <a:solidFill>
+            <a:schemeClr val="bg1"/>
+          </a:solidFill>
+          <a:ln>
+            <a:solidFill>
+              <a:schemeClr val="bg1"/>
+            </a:solidFill>
+          </a:ln>
+        </p:spPr>
+        <p:style>
+          <a:lnRef idx="2">
+            <a:schemeClr val="accent1">
+              <a:shade val="50000"/>
+            </a:schemeClr>
+          </a:lnRef>
+          <a:fillRef idx="1">
+            <a:schemeClr val="accent1"/>
+          </a:fillRef>
+          <a:effectRef idx="0">
+            <a:schemeClr val="accent1"/>
+          </a:effectRef>
+          <a:fontRef idx="minor">
+            <a:schemeClr val="lt1"/>
+          </a:fontRef>
+        </p:style>
+        <p:txBody>
+          <a:bodyPr rtlCol="0" anchor="ctr"/>
+          <a:lstStyle/>
+          <a:p>
+            <a:pPr algn="ctr"/>
+            <a:endParaRPr lang="en-GB"/>
+          </a:p>
+        </p:txBody>
+      </p:sp>
+      <p:sp>
+        <p:nvSpPr>
+          <p:cNvPr id="17" name="Rounded Rectangle 16"/>
+          <p:cNvSpPr/>
+          <p:nvPr/>
+        </p:nvSpPr>
+        <p:spPr>
+          <a:xfrm>
+            <a:off x="4739950" y="3546668"/>
+            <a:ext cx="3610947" cy="1174621"/>
+          </a:xfrm>
+          <a:prstGeom prst="roundRect">
+            <a:avLst/>
+          </a:prstGeom>
+          <a:solidFill>
+            <a:schemeClr val="bg1"/>
+          </a:solidFill>
+          <a:ln>
+            <a:solidFill>
+              <a:schemeClr val="bg1"/>
+            </a:solidFill>
+          </a:ln>
+        </p:spPr>
+        <p:style>
+          <a:lnRef idx="2">
+            <a:schemeClr val="accent1">
+              <a:shade val="50000"/>
+            </a:schemeClr>
+          </a:lnRef>
+          <a:fillRef idx="1">
+            <a:schemeClr val="accent1"/>
+          </a:fillRef>
+          <a:effectRef idx="0">
+            <a:schemeClr val="accent1"/>
+          </a:effectRef>
+          <a:fontRef idx="minor">
+            <a:schemeClr val="lt1"/>
+          </a:fontRef>
+        </p:style>
+        <p:txBody>
+          <a:bodyPr rtlCol="0" anchor="ctr"/>
+          <a:lstStyle/>
+          <a:p>
+            <a:pPr algn="ctr"/>
+            <a:endParaRPr lang="en-GB"/>
+          </a:p>
+        </p:txBody>
+      </p:sp>
+      <p:sp>
+        <p:nvSpPr>
+          <p:cNvPr id="18" name="TextBox 17"/>
+          <p:cNvSpPr txBox="1"/>
+          <p:nvPr/>
+        </p:nvSpPr>
+        <p:spPr>
+          <a:xfrm>
+            <a:off x="3293717" y="2062066"/>
+            <a:ext cx="1418254" cy="369332"/>
+          </a:xfrm>
+          <a:prstGeom prst="rect">
+            <a:avLst/>
+          </a:prstGeom>
+          <a:noFill/>
+        </p:spPr>
+        <p:txBody>
+          <a:bodyPr wrap="square" rtlCol="0">
+            <a:spAutoFit/>
+          </a:bodyPr>
+          <a:lstStyle/>
+          <a:p>
+            <a:r>
+              <a:rPr lang="fr-FR" dirty="0" smtClean="0">
+                <a:solidFill>
+                  <a:schemeClr val="bg1"/>
+                </a:solidFill>
+              </a:rPr>
+              <a:t>Nom :</a:t>
+            </a:r>
+            <a:endParaRPr lang="en-GB" dirty="0">
+              <a:solidFill>
+                <a:schemeClr val="bg1"/>
+              </a:solidFill>
+            </a:endParaRPr>
+          </a:p>
+        </p:txBody>
+      </p:sp>
+      <p:sp>
+        <p:nvSpPr>
+          <p:cNvPr id="19" name="TextBox 18"/>
+          <p:cNvSpPr txBox="1"/>
+          <p:nvPr/>
+        </p:nvSpPr>
+        <p:spPr>
+          <a:xfrm>
+            <a:off x="3293717" y="2545312"/>
+            <a:ext cx="1418254" cy="369332"/>
+          </a:xfrm>
+          <a:prstGeom prst="rect">
+            <a:avLst/>
+          </a:prstGeom>
+          <a:noFill/>
+        </p:spPr>
+        <p:txBody>
+          <a:bodyPr wrap="square" rtlCol="0">
+            <a:spAutoFit/>
+          </a:bodyPr>
+          <a:lstStyle/>
+          <a:p>
+            <a:r>
+              <a:rPr lang="fr-FR" dirty="0" smtClean="0">
+                <a:solidFill>
+                  <a:schemeClr val="bg1"/>
+                </a:solidFill>
+              </a:rPr>
+              <a:t>Prénom :</a:t>
+            </a:r>
+            <a:endParaRPr lang="en-GB" dirty="0">
+              <a:solidFill>
+                <a:schemeClr val="bg1"/>
+              </a:solidFill>
+            </a:endParaRPr>
+          </a:p>
+        </p:txBody>
+      </p:sp>
+      <p:sp>
+        <p:nvSpPr>
+          <p:cNvPr id="20" name="TextBox 19"/>
+          <p:cNvSpPr txBox="1"/>
+          <p:nvPr/>
+        </p:nvSpPr>
+        <p:spPr>
+          <a:xfrm>
+            <a:off x="3293717" y="3033923"/>
+            <a:ext cx="1418254" cy="369332"/>
+          </a:xfrm>
+          <a:prstGeom prst="rect">
+            <a:avLst/>
+          </a:prstGeom>
+          <a:noFill/>
+        </p:spPr>
+        <p:txBody>
+          <a:bodyPr wrap="square" rtlCol="0">
+            <a:spAutoFit/>
+          </a:bodyPr>
+          <a:lstStyle/>
+          <a:p>
+            <a:r>
+              <a:rPr lang="fr-FR" dirty="0" smtClean="0">
+                <a:solidFill>
+                  <a:schemeClr val="bg1"/>
+                </a:solidFill>
+              </a:rPr>
+              <a:t>Email :</a:t>
+            </a:r>
+            <a:endParaRPr lang="en-GB" dirty="0">
+              <a:solidFill>
+                <a:schemeClr val="bg1"/>
+              </a:solidFill>
+            </a:endParaRPr>
+          </a:p>
+        </p:txBody>
+      </p:sp>
+      <p:sp>
+        <p:nvSpPr>
+          <p:cNvPr id="21" name="TextBox 20"/>
+          <p:cNvSpPr txBox="1"/>
+          <p:nvPr/>
+        </p:nvSpPr>
+        <p:spPr>
+          <a:xfrm>
+            <a:off x="3293717" y="3523569"/>
+            <a:ext cx="1418254" cy="369332"/>
+          </a:xfrm>
+          <a:prstGeom prst="rect">
+            <a:avLst/>
+          </a:prstGeom>
+          <a:noFill/>
+        </p:spPr>
+        <p:txBody>
+          <a:bodyPr wrap="square" rtlCol="0">
+            <a:spAutoFit/>
+          </a:bodyPr>
+          <a:lstStyle/>
+          <a:p>
+            <a:r>
+              <a:rPr lang="fr-FR" dirty="0" smtClean="0">
+                <a:solidFill>
+                  <a:schemeClr val="bg1"/>
+                </a:solidFill>
+              </a:rPr>
+              <a:t>Message :</a:t>
+            </a:r>
+            <a:endParaRPr lang="en-GB" dirty="0">
+              <a:solidFill>
+                <a:schemeClr val="bg1"/>
+              </a:solidFill>
+            </a:endParaRPr>
+          </a:p>
+        </p:txBody>
+      </p:sp>
+    </p:spTree>
+    <p:extLst>
+      <p:ext uri="{BB962C8B-B14F-4D97-AF65-F5344CB8AC3E}">
+        <p14:creationId xmlns:p14="http://schemas.microsoft.com/office/powerpoint/2010/main" val="2227812804"/>
+      </p:ext>
+    </p:extLst>
+  </p:cSld>
+  <p:clrMapOvr>
+    <a:masterClrMapping/>
+  </p:clrMapOvr>
+</p:sld>
+</file>
+
+<file path=ppt/slides/slide6.xml><?xml version="1.0" encoding="utf-8"?>
+<p:sld xmlns:a="http://schemas.openxmlformats.org/drawingml/2006/main" xmlns:r="http://schemas.openxmlformats.org/officeDocument/2006/relationships" xmlns:p="http://schemas.openxmlformats.org/presentationml/2006/main">
+  <p:cSld>
+    <p:spTree>
+      <p:nvGrpSpPr>
+        <p:cNvPr id="1" name=""/>
+        <p:cNvGrpSpPr/>
+        <p:nvPr/>
+      </p:nvGrpSpPr>
+      <p:grpSpPr>
+        <a:xfrm>
+          <a:off x="0" y="0"/>
+          <a:ext cx="0" cy="0"/>
+          <a:chOff x="0" y="0"/>
+          <a:chExt cx="0" cy="0"/>
+        </a:xfrm>
+      </p:grpSpPr>
+      <p:sp>
+        <p:nvSpPr>
+          <p:cNvPr id="4" name="Rectangle 3"/>
+          <p:cNvSpPr/>
+          <p:nvPr/>
+        </p:nvSpPr>
+        <p:spPr>
+          <a:xfrm>
+            <a:off x="0" y="0"/>
+            <a:ext cx="12192000" cy="643812"/>
+          </a:xfrm>
+          <a:prstGeom prst="rect">
+            <a:avLst/>
+          </a:prstGeom>
+          <a:solidFill>
+            <a:schemeClr val="tx1"/>
+          </a:solidFill>
+          <a:ln>
+            <a:solidFill>
+              <a:schemeClr val="tx1"/>
+            </a:solidFill>
+          </a:ln>
+        </p:spPr>
+        <p:style>
+          <a:lnRef idx="2">
+            <a:schemeClr val="accent1">
+              <a:shade val="50000"/>
+            </a:schemeClr>
+          </a:lnRef>
+          <a:fillRef idx="1">
+            <a:schemeClr val="accent1"/>
+          </a:fillRef>
+          <a:effectRef idx="0">
+            <a:schemeClr val="accent1"/>
+          </a:effectRef>
+          <a:fontRef idx="minor">
+            <a:schemeClr val="lt1"/>
+          </a:fontRef>
+        </p:style>
+        <p:txBody>
+          <a:bodyPr rtlCol="0" anchor="ctr"/>
+          <a:lstStyle/>
+          <a:p>
+            <a:r>
+              <a:rPr lang="fr-FR" dirty="0" smtClean="0"/>
+              <a:t>	</a:t>
+            </a:r>
+            <a:r>
+              <a:rPr lang="fr-FR" dirty="0"/>
+              <a:t> </a:t>
+            </a:r>
+            <a:r>
+              <a:rPr lang="fr-FR" dirty="0" err="1"/>
+              <a:t>Dance’in</a:t>
+            </a:r>
+            <a:r>
+              <a:rPr lang="fr-FR" dirty="0"/>
+              <a:t>	 |  Galerie  |  Planning  |  Evènements  | Contact  |  Equipe </a:t>
+            </a:r>
+            <a:endParaRPr lang="en-GB" dirty="0"/>
+          </a:p>
+        </p:txBody>
+      </p:sp>
+      <p:grpSp>
+        <p:nvGrpSpPr>
+          <p:cNvPr id="5" name="Group 4"/>
+          <p:cNvGrpSpPr/>
+          <p:nvPr/>
+        </p:nvGrpSpPr>
+        <p:grpSpPr>
+          <a:xfrm>
+            <a:off x="130629" y="41988"/>
+            <a:ext cx="606490" cy="559836"/>
+            <a:chOff x="1800808" y="5187821"/>
+            <a:chExt cx="849085" cy="799517"/>
+          </a:xfrm>
+        </p:grpSpPr>
+        <p:sp>
+          <p:nvSpPr>
+            <p:cNvPr id="6" name="Oval 5"/>
+            <p:cNvSpPr/>
+            <p:nvPr/>
+          </p:nvSpPr>
+          <p:spPr>
+            <a:xfrm>
+              <a:off x="1800808" y="5187821"/>
+              <a:ext cx="849085" cy="799517"/>
+            </a:xfrm>
+            <a:prstGeom prst="ellipse">
+              <a:avLst/>
+            </a:prstGeom>
+            <a:solidFill>
+              <a:schemeClr val="bg1"/>
+            </a:solidFill>
+            <a:ln w="38100">
+              <a:solidFill>
+                <a:schemeClr val="tx1"/>
+              </a:solidFill>
+            </a:ln>
+          </p:spPr>
+          <p:style>
+            <a:lnRef idx="2">
+              <a:schemeClr val="accent1">
+                <a:shade val="50000"/>
+              </a:schemeClr>
+            </a:lnRef>
+            <a:fillRef idx="1">
+              <a:schemeClr val="accent1"/>
+            </a:fillRef>
+            <a:effectRef idx="0">
+              <a:schemeClr val="accent1"/>
+            </a:effectRef>
+            <a:fontRef idx="minor">
+              <a:schemeClr val="lt1"/>
+            </a:fontRef>
+          </p:style>
+          <p:txBody>
+            <a:bodyPr rtlCol="0" anchor="ctr"/>
+            <a:lstStyle/>
+            <a:p>
+              <a:pPr algn="ctr"/>
+              <a:endParaRPr lang="en-GB"/>
+            </a:p>
+          </p:txBody>
+        </p:sp>
+        <p:pic>
+          <p:nvPicPr>
+            <p:cNvPr id="7" name="Picture 6"/>
+            <p:cNvPicPr>
+              <a:picLocks noChangeAspect="1"/>
+            </p:cNvPicPr>
+            <p:nvPr/>
+          </p:nvPicPr>
+          <p:blipFill>
+            <a:blip r:embed="rId2"/>
+            <a:stretch>
+              <a:fillRect/>
+            </a:stretch>
+          </p:blipFill>
+          <p:spPr>
+            <a:xfrm>
+              <a:off x="1870690" y="5254787"/>
+              <a:ext cx="657906" cy="657906"/>
+            </a:xfrm>
+            <a:prstGeom prst="rect">
+              <a:avLst/>
+            </a:prstGeom>
+          </p:spPr>
+        </p:pic>
+      </p:grpSp>
+      <p:pic>
+        <p:nvPicPr>
+          <p:cNvPr id="8" name="Picture 7"/>
+          <p:cNvPicPr>
+            <a:picLocks noChangeAspect="1"/>
+          </p:cNvPicPr>
+          <p:nvPr/>
+        </p:nvPicPr>
+        <p:blipFill rotWithShape="1">
+          <a:blip r:embed="rId3"/>
+          <a:srcRect l="39424" t="7798" r="26383" b="20736"/>
+          <a:stretch/>
+        </p:blipFill>
+        <p:spPr>
+          <a:xfrm>
+            <a:off x="11761857" y="158264"/>
+            <a:ext cx="308029" cy="321905"/>
+          </a:xfrm>
+          <a:prstGeom prst="rect">
+            <a:avLst/>
+          </a:prstGeom>
+        </p:spPr>
+      </p:pic>
+      <p:grpSp>
+        <p:nvGrpSpPr>
+          <p:cNvPr id="16" name="Group 15"/>
+          <p:cNvGrpSpPr/>
+          <p:nvPr/>
+        </p:nvGrpSpPr>
+        <p:grpSpPr>
+          <a:xfrm>
+            <a:off x="6535913" y="0"/>
+            <a:ext cx="1059213" cy="643812"/>
+            <a:chOff x="2840966" y="0"/>
+            <a:chExt cx="1059213" cy="643812"/>
+          </a:xfrm>
+        </p:grpSpPr>
+        <p:sp>
+          <p:nvSpPr>
+            <p:cNvPr id="9" name="Rectangle 8"/>
+            <p:cNvSpPr/>
+            <p:nvPr/>
+          </p:nvSpPr>
+          <p:spPr>
+            <a:xfrm>
+              <a:off x="2840966" y="0"/>
+              <a:ext cx="1059213" cy="643812"/>
+            </a:xfrm>
+            <a:prstGeom prst="rect">
+              <a:avLst/>
+            </a:prstGeom>
+            <a:solidFill>
+              <a:schemeClr val="bg2">
+                <a:lumMod val="50000"/>
+              </a:schemeClr>
+            </a:solidFill>
+            <a:ln>
+              <a:solidFill>
+                <a:schemeClr val="bg2">
+                  <a:lumMod val="50000"/>
+                </a:schemeClr>
+              </a:solidFill>
+            </a:ln>
+          </p:spPr>
+          <p:style>
+            <a:lnRef idx="2">
+              <a:schemeClr val="accent1">
+                <a:shade val="50000"/>
+              </a:schemeClr>
+            </a:lnRef>
+            <a:fillRef idx="1">
+              <a:schemeClr val="accent1"/>
+            </a:fillRef>
+            <a:effectRef idx="0">
+              <a:schemeClr val="accent1"/>
+            </a:effectRef>
+            <a:fontRef idx="minor">
+              <a:schemeClr val="lt1"/>
+            </a:fontRef>
+          </p:style>
+          <p:txBody>
+            <a:bodyPr rtlCol="0" anchor="ctr"/>
+            <a:lstStyle/>
+            <a:p>
+              <a:pPr algn="ctr"/>
+              <a:endParaRPr lang="en-GB"/>
+            </a:p>
+          </p:txBody>
+        </p:sp>
+        <p:sp>
+          <p:nvSpPr>
+            <p:cNvPr id="10" name="TextBox 9"/>
+            <p:cNvSpPr txBox="1"/>
+            <p:nvPr/>
+          </p:nvSpPr>
+          <p:spPr>
+            <a:xfrm>
+              <a:off x="2956934" y="158264"/>
+              <a:ext cx="827278" cy="369332"/>
+            </a:xfrm>
+            <a:prstGeom prst="rect">
+              <a:avLst/>
+            </a:prstGeom>
+            <a:noFill/>
+          </p:spPr>
+          <p:txBody>
+            <a:bodyPr wrap="none" rtlCol="0">
+              <a:spAutoFit/>
+            </a:bodyPr>
+            <a:lstStyle/>
+            <a:p>
+              <a:pPr algn="ctr"/>
+              <a:r>
+                <a:rPr lang="fr-FR" dirty="0" smtClean="0">
+                  <a:solidFill>
+                    <a:schemeClr val="bg1"/>
+                  </a:solidFill>
+                </a:rPr>
+                <a:t>Equipe</a:t>
+              </a:r>
+              <a:endParaRPr lang="en-GB" dirty="0">
+                <a:solidFill>
+                  <a:schemeClr val="bg1"/>
+                </a:solidFill>
+              </a:endParaRPr>
+            </a:p>
+          </p:txBody>
+        </p:sp>
+      </p:grpSp>
+      <p:sp>
+        <p:nvSpPr>
+          <p:cNvPr id="11" name="Rectangle 10"/>
+          <p:cNvSpPr/>
+          <p:nvPr/>
+        </p:nvSpPr>
+        <p:spPr>
+          <a:xfrm>
+            <a:off x="885151" y="942392"/>
+            <a:ext cx="10498195" cy="4945224"/>
+          </a:xfrm>
+          <a:prstGeom prst="rect">
+            <a:avLst/>
+          </a:prstGeom>
+          <a:solidFill>
+            <a:schemeClr val="tx1">
+              <a:alpha val="70000"/>
+            </a:schemeClr>
+          </a:solidFill>
+          <a:ln>
+            <a:solidFill>
+              <a:schemeClr val="tx1"/>
+            </a:solidFill>
+          </a:ln>
+        </p:spPr>
+        <p:style>
+          <a:lnRef idx="2">
+            <a:schemeClr val="accent1">
+              <a:shade val="50000"/>
+            </a:schemeClr>
+          </a:lnRef>
+          <a:fillRef idx="1">
+            <a:schemeClr val="accent1"/>
+          </a:fillRef>
+          <a:effectRef idx="0">
+            <a:schemeClr val="accent1"/>
+          </a:effectRef>
+          <a:fontRef idx="minor">
+            <a:schemeClr val="lt1"/>
+          </a:fontRef>
+        </p:style>
+        <p:txBody>
+          <a:bodyPr rtlCol="0" anchor="ctr"/>
+          <a:lstStyle/>
+          <a:p>
+            <a:pPr algn="ctr"/>
+            <a:endParaRPr lang="en-GB" dirty="0"/>
+          </a:p>
+        </p:txBody>
+      </p:sp>
+      <p:sp>
+        <p:nvSpPr>
+          <p:cNvPr id="3" name="Rounded Rectangle 2"/>
+          <p:cNvSpPr/>
+          <p:nvPr/>
+        </p:nvSpPr>
+        <p:spPr>
+          <a:xfrm>
+            <a:off x="1530220" y="1259633"/>
+            <a:ext cx="8808098" cy="1894114"/>
+          </a:xfrm>
+          <a:prstGeom prst="roundRect">
+            <a:avLst/>
+          </a:prstGeom>
+          <a:solidFill>
+            <a:schemeClr val="bg1">
+              <a:lumMod val="75000"/>
+            </a:schemeClr>
+          </a:solidFill>
+          <a:ln>
+            <a:solidFill>
+              <a:schemeClr val="bg1">
+                <a:lumMod val="75000"/>
+              </a:schemeClr>
+            </a:solidFill>
+          </a:ln>
+        </p:spPr>
+        <p:style>
+          <a:lnRef idx="2">
+            <a:schemeClr val="accent1">
+              <a:shade val="50000"/>
+            </a:schemeClr>
+          </a:lnRef>
+          <a:fillRef idx="1">
+            <a:schemeClr val="accent1"/>
+          </a:fillRef>
+          <a:effectRef idx="0">
+            <a:schemeClr val="accent1"/>
+          </a:effectRef>
+          <a:fontRef idx="minor">
+            <a:schemeClr val="lt1"/>
+          </a:fontRef>
+        </p:style>
+        <p:txBody>
+          <a:bodyPr rtlCol="0" anchor="ctr"/>
+          <a:lstStyle/>
+          <a:p>
+            <a:pPr algn="ctr"/>
+            <a:endParaRPr lang="en-GB"/>
+          </a:p>
+        </p:txBody>
+      </p:sp>
+      <p:grpSp>
+        <p:nvGrpSpPr>
+          <p:cNvPr id="22" name="Group 21"/>
+          <p:cNvGrpSpPr/>
+          <p:nvPr/>
+        </p:nvGrpSpPr>
+        <p:grpSpPr>
+          <a:xfrm>
+            <a:off x="1769218" y="1566756"/>
+            <a:ext cx="1068056" cy="1082351"/>
+            <a:chOff x="341638" y="4260778"/>
+            <a:chExt cx="1068056" cy="1082351"/>
+          </a:xfrm>
+        </p:grpSpPr>
+        <p:sp>
+          <p:nvSpPr>
+            <p:cNvPr id="23" name="Oval 22"/>
+            <p:cNvSpPr/>
+            <p:nvPr/>
+          </p:nvSpPr>
+          <p:spPr>
+            <a:xfrm>
+              <a:off x="341638" y="4260778"/>
+              <a:ext cx="1068056" cy="1082351"/>
+            </a:xfrm>
+            <a:prstGeom prst="ellipse">
+              <a:avLst/>
+            </a:prstGeom>
+            <a:solidFill>
+              <a:schemeClr val="bg1"/>
+            </a:solidFill>
+            <a:ln w="28575">
+              <a:solidFill>
+                <a:schemeClr val="tx1"/>
+              </a:solidFill>
+            </a:ln>
+          </p:spPr>
+          <p:style>
+            <a:lnRef idx="2">
+              <a:schemeClr val="accent1">
+                <a:shade val="50000"/>
+              </a:schemeClr>
+            </a:lnRef>
+            <a:fillRef idx="1">
+              <a:schemeClr val="accent1"/>
+            </a:fillRef>
+            <a:effectRef idx="0">
+              <a:schemeClr val="accent1"/>
+            </a:effectRef>
+            <a:fontRef idx="minor">
+              <a:schemeClr val="lt1"/>
+            </a:fontRef>
+          </p:style>
+          <p:txBody>
+            <a:bodyPr rtlCol="0" anchor="ctr"/>
+            <a:lstStyle/>
+            <a:p>
+              <a:pPr algn="ctr"/>
+              <a:endParaRPr lang="en-GB"/>
+            </a:p>
+          </p:txBody>
+        </p:sp>
+        <p:pic>
+          <p:nvPicPr>
+            <p:cNvPr id="24" name="Picture 23"/>
+            <p:cNvPicPr>
+              <a:picLocks noChangeAspect="1"/>
+            </p:cNvPicPr>
+            <p:nvPr/>
+          </p:nvPicPr>
+          <p:blipFill>
+            <a:blip r:embed="rId4"/>
+            <a:stretch>
+              <a:fillRect/>
+            </a:stretch>
+          </p:blipFill>
+          <p:spPr>
+            <a:xfrm>
+              <a:off x="542483" y="4468771"/>
+              <a:ext cx="666366" cy="666366"/>
+            </a:xfrm>
+            <a:prstGeom prst="rect">
+              <a:avLst/>
+            </a:prstGeom>
+          </p:spPr>
+        </p:pic>
+      </p:grpSp>
+      <p:sp>
+        <p:nvSpPr>
+          <p:cNvPr id="25" name="Rounded Rectangle 24"/>
+          <p:cNvSpPr/>
+          <p:nvPr/>
+        </p:nvSpPr>
+        <p:spPr>
+          <a:xfrm>
+            <a:off x="1561319" y="3390128"/>
+            <a:ext cx="8808098" cy="1894114"/>
+          </a:xfrm>
+          <a:prstGeom prst="roundRect">
+            <a:avLst/>
+          </a:prstGeom>
+          <a:solidFill>
+            <a:schemeClr val="bg1">
+              <a:lumMod val="75000"/>
+            </a:schemeClr>
+          </a:solidFill>
+          <a:ln>
+            <a:solidFill>
+              <a:schemeClr val="bg1">
+                <a:lumMod val="75000"/>
+              </a:schemeClr>
+            </a:solidFill>
+          </a:ln>
+        </p:spPr>
+        <p:style>
+          <a:lnRef idx="2">
+            <a:schemeClr val="accent1">
+              <a:shade val="50000"/>
+            </a:schemeClr>
+          </a:lnRef>
+          <a:fillRef idx="1">
+            <a:schemeClr val="accent1"/>
+          </a:fillRef>
+          <a:effectRef idx="0">
+            <a:schemeClr val="accent1"/>
+          </a:effectRef>
+          <a:fontRef idx="minor">
+            <a:schemeClr val="lt1"/>
+          </a:fontRef>
+        </p:style>
+        <p:txBody>
+          <a:bodyPr rtlCol="0" anchor="ctr"/>
+          <a:lstStyle/>
+          <a:p>
+            <a:pPr algn="ctr"/>
+            <a:endParaRPr lang="en-GB"/>
+          </a:p>
+        </p:txBody>
+      </p:sp>
+      <p:grpSp>
+        <p:nvGrpSpPr>
+          <p:cNvPr id="26" name="Group 25"/>
+          <p:cNvGrpSpPr/>
+          <p:nvPr/>
+        </p:nvGrpSpPr>
+        <p:grpSpPr>
+          <a:xfrm>
+            <a:off x="1800317" y="3697251"/>
+            <a:ext cx="1068056" cy="1082351"/>
+            <a:chOff x="341638" y="4260778"/>
+            <a:chExt cx="1068056" cy="1082351"/>
+          </a:xfrm>
+        </p:grpSpPr>
+        <p:sp>
+          <p:nvSpPr>
+            <p:cNvPr id="27" name="Oval 26"/>
+            <p:cNvSpPr/>
+            <p:nvPr/>
+          </p:nvSpPr>
+          <p:spPr>
+            <a:xfrm>
+              <a:off x="341638" y="4260778"/>
+              <a:ext cx="1068056" cy="1082351"/>
+            </a:xfrm>
+            <a:prstGeom prst="ellipse">
+              <a:avLst/>
+            </a:prstGeom>
+            <a:solidFill>
+              <a:schemeClr val="bg1"/>
+            </a:solidFill>
+            <a:ln w="28575">
+              <a:solidFill>
+                <a:schemeClr val="tx1"/>
+              </a:solidFill>
+            </a:ln>
+          </p:spPr>
+          <p:style>
+            <a:lnRef idx="2">
+              <a:schemeClr val="accent1">
+                <a:shade val="50000"/>
+              </a:schemeClr>
+            </a:lnRef>
+            <a:fillRef idx="1">
+              <a:schemeClr val="accent1"/>
+            </a:fillRef>
+            <a:effectRef idx="0">
+              <a:schemeClr val="accent1"/>
+            </a:effectRef>
+            <a:fontRef idx="minor">
+              <a:schemeClr val="lt1"/>
+            </a:fontRef>
+          </p:style>
+          <p:txBody>
+            <a:bodyPr rtlCol="0" anchor="ctr"/>
+            <a:lstStyle/>
+            <a:p>
+              <a:pPr algn="ctr"/>
+              <a:endParaRPr lang="en-GB"/>
+            </a:p>
+          </p:txBody>
+        </p:sp>
+        <p:pic>
+          <p:nvPicPr>
+            <p:cNvPr id="28" name="Picture 27"/>
+            <p:cNvPicPr>
+              <a:picLocks noChangeAspect="1"/>
+            </p:cNvPicPr>
+            <p:nvPr/>
+          </p:nvPicPr>
+          <p:blipFill>
+            <a:blip r:embed="rId4"/>
+            <a:stretch>
+              <a:fillRect/>
+            </a:stretch>
+          </p:blipFill>
+          <p:spPr>
+            <a:xfrm>
+              <a:off x="542483" y="4468771"/>
+              <a:ext cx="666366" cy="666366"/>
+            </a:xfrm>
+            <a:prstGeom prst="rect">
+              <a:avLst/>
+            </a:prstGeom>
+          </p:spPr>
+        </p:pic>
+      </p:grpSp>
+    </p:spTree>
+    <p:extLst>
+      <p:ext uri="{BB962C8B-B14F-4D97-AF65-F5344CB8AC3E}">
+        <p14:creationId xmlns:p14="http://schemas.microsoft.com/office/powerpoint/2010/main" val="2714663768"/>
+      </p:ext>
+    </p:extLst>
+  </p:cSld>
+  <p:clrMapOvr>
+    <a:masterClrMapping/>
+  </p:clrMapOvr>
+</p:sld>
+</file>
+
+<file path=ppt/slides/slide7.xml><?xml version="1.0" encoding="utf-8"?>
 <p:sld xmlns:a="http://schemas.openxmlformats.org/drawingml/2006/main" xmlns:r="http://schemas.openxmlformats.org/officeDocument/2006/relationships" xmlns:p="http://schemas.openxmlformats.org/presentationml/2006/main">
   <p:cSld>
     <p:spTree>
